--- a/docs/premiers_pas_avec_r.pptx
+++ b/docs/premiers_pas_avec_r.pptx
@@ -6,8 +6,9 @@
   </p:sldMasterIdLst>
   <p:sldIdLst>
     <p:sldId id="256" r:id="rId2"/>
-    <p:sldId id="257" r:id="rId3"/>
-    <p:sldId id="258" r:id="rId4"/>
+    <p:sldId id="259" r:id="rId3"/>
+    <p:sldId id="257" r:id="rId4"/>
+    <p:sldId id="258" r:id="rId5"/>
   </p:sldIdLst>
   <p:sldSz cx="12192000" cy="6858000"/>
   <p:notesSz cx="6858000" cy="9144000"/>
@@ -106,6 +107,11 @@
       </a:defRPr>
     </a:lvl9pPr>
   </p:defaultTextStyle>
+  <p:extLst>
+    <p:ext uri="{EFAFB233-063F-42B5-8137-9DF3F51BA10A}">
+      <p15:sldGuideLst xmlns:p15="http://schemas.microsoft.com/office/powerpoint/2012/main"/>
+    </p:ext>
+  </p:extLst>
 </p:presentation>
 </file>
 
@@ -256,7 +262,7 @@
           <a:p>
             <a:fld id="{E5BB61CA-EAF1-4470-A804-4F3CDF5C6237}" type="datetimeFigureOut">
               <a:rPr lang="fr-FR" smtClean="0"/>
-              <a:t>28/10/2022</a:t>
+              <a:t>04/11/2022</a:t>
             </a:fld>
             <a:endParaRPr lang="fr-FR"/>
           </a:p>
@@ -454,7 +460,7 @@
           <a:p>
             <a:fld id="{E5BB61CA-EAF1-4470-A804-4F3CDF5C6237}" type="datetimeFigureOut">
               <a:rPr lang="fr-FR" smtClean="0"/>
-              <a:t>28/10/2022</a:t>
+              <a:t>04/11/2022</a:t>
             </a:fld>
             <a:endParaRPr lang="fr-FR"/>
           </a:p>
@@ -662,7 +668,7 @@
           <a:p>
             <a:fld id="{E5BB61CA-EAF1-4470-A804-4F3CDF5C6237}" type="datetimeFigureOut">
               <a:rPr lang="fr-FR" smtClean="0"/>
-              <a:t>28/10/2022</a:t>
+              <a:t>04/11/2022</a:t>
             </a:fld>
             <a:endParaRPr lang="fr-FR"/>
           </a:p>
@@ -860,7 +866,7 @@
           <a:p>
             <a:fld id="{E5BB61CA-EAF1-4470-A804-4F3CDF5C6237}" type="datetimeFigureOut">
               <a:rPr lang="fr-FR" smtClean="0"/>
-              <a:t>28/10/2022</a:t>
+              <a:t>04/11/2022</a:t>
             </a:fld>
             <a:endParaRPr lang="fr-FR"/>
           </a:p>
@@ -1135,7 +1141,7 @@
           <a:p>
             <a:fld id="{E5BB61CA-EAF1-4470-A804-4F3CDF5C6237}" type="datetimeFigureOut">
               <a:rPr lang="fr-FR" smtClean="0"/>
-              <a:t>28/10/2022</a:t>
+              <a:t>04/11/2022</a:t>
             </a:fld>
             <a:endParaRPr lang="fr-FR"/>
           </a:p>
@@ -1400,7 +1406,7 @@
           <a:p>
             <a:fld id="{E5BB61CA-EAF1-4470-A804-4F3CDF5C6237}" type="datetimeFigureOut">
               <a:rPr lang="fr-FR" smtClean="0"/>
-              <a:t>28/10/2022</a:t>
+              <a:t>04/11/2022</a:t>
             </a:fld>
             <a:endParaRPr lang="fr-FR"/>
           </a:p>
@@ -1812,7 +1818,7 @@
           <a:p>
             <a:fld id="{E5BB61CA-EAF1-4470-A804-4F3CDF5C6237}" type="datetimeFigureOut">
               <a:rPr lang="fr-FR" smtClean="0"/>
-              <a:t>28/10/2022</a:t>
+              <a:t>04/11/2022</a:t>
             </a:fld>
             <a:endParaRPr lang="fr-FR"/>
           </a:p>
@@ -1953,7 +1959,7 @@
           <a:p>
             <a:fld id="{E5BB61CA-EAF1-4470-A804-4F3CDF5C6237}" type="datetimeFigureOut">
               <a:rPr lang="fr-FR" smtClean="0"/>
-              <a:t>28/10/2022</a:t>
+              <a:t>04/11/2022</a:t>
             </a:fld>
             <a:endParaRPr lang="fr-FR"/>
           </a:p>
@@ -2066,7 +2072,7 @@
           <a:p>
             <a:fld id="{E5BB61CA-EAF1-4470-A804-4F3CDF5C6237}" type="datetimeFigureOut">
               <a:rPr lang="fr-FR" smtClean="0"/>
-              <a:t>28/10/2022</a:t>
+              <a:t>04/11/2022</a:t>
             </a:fld>
             <a:endParaRPr lang="fr-FR"/>
           </a:p>
@@ -2377,7 +2383,7 @@
           <a:p>
             <a:fld id="{E5BB61CA-EAF1-4470-A804-4F3CDF5C6237}" type="datetimeFigureOut">
               <a:rPr lang="fr-FR" smtClean="0"/>
-              <a:t>28/10/2022</a:t>
+              <a:t>04/11/2022</a:t>
             </a:fld>
             <a:endParaRPr lang="fr-FR"/>
           </a:p>
@@ -2665,7 +2671,7 @@
           <a:p>
             <a:fld id="{E5BB61CA-EAF1-4470-A804-4F3CDF5C6237}" type="datetimeFigureOut">
               <a:rPr lang="fr-FR" smtClean="0"/>
-              <a:t>28/10/2022</a:t>
+              <a:t>04/11/2022</a:t>
             </a:fld>
             <a:endParaRPr lang="fr-FR"/>
           </a:p>
@@ -2906,7 +2912,7 @@
           <a:p>
             <a:fld id="{E5BB61CA-EAF1-4470-A804-4F3CDF5C6237}" type="datetimeFigureOut">
               <a:rPr lang="fr-FR" smtClean="0"/>
-              <a:t>28/10/2022</a:t>
+              <a:t>04/11/2022</a:t>
             </a:fld>
             <a:endParaRPr lang="fr-FR"/>
           </a:p>
@@ -3529,10 +3535,1043 @@
   <p:clrMapOvr>
     <a:masterClrMapping/>
   </p:clrMapOvr>
+  <p:timing>
+    <p:tnLst>
+      <p:par>
+        <p:cTn id="1" dur="indefinite" restart="never" nodeType="tmRoot"/>
+      </p:par>
+    </p:tnLst>
+  </p:timing>
 </p:sld>
 </file>
 
 <file path=ppt/slides/slide2.xml><?xml version="1.0" encoding="utf-8"?>
+<p:sld xmlns:a="http://schemas.openxmlformats.org/drawingml/2006/main" xmlns:r="http://schemas.openxmlformats.org/officeDocument/2006/relationships" xmlns:p="http://schemas.openxmlformats.org/presentationml/2006/main">
+  <p:cSld>
+    <p:bg>
+      <p:bgPr>
+        <a:solidFill>
+          <a:srgbClr val="2F528F"/>
+        </a:solidFill>
+        <a:effectLst/>
+      </p:bgPr>
+    </p:bg>
+    <p:spTree>
+      <p:nvGrpSpPr>
+        <p:cNvPr id="1" name=""/>
+        <p:cNvGrpSpPr/>
+        <p:nvPr/>
+      </p:nvGrpSpPr>
+      <p:grpSpPr>
+        <a:xfrm>
+          <a:off x="0" y="0"/>
+          <a:ext cx="0" cy="0"/>
+          <a:chOff x="0" y="0"/>
+          <a:chExt cx="0" cy="0"/>
+        </a:xfrm>
+      </p:grpSpPr>
+      <p:grpSp>
+        <p:nvGrpSpPr>
+          <p:cNvPr id="69" name="Groupe 68"/>
+          <p:cNvGrpSpPr/>
+          <p:nvPr/>
+        </p:nvGrpSpPr>
+        <p:grpSpPr>
+          <a:xfrm>
+            <a:off x="1223184" y="875215"/>
+            <a:ext cx="9745633" cy="5107571"/>
+            <a:chOff x="1223185" y="875215"/>
+            <a:chExt cx="9745633" cy="5107571"/>
+          </a:xfrm>
+        </p:grpSpPr>
+        <p:grpSp>
+          <p:nvGrpSpPr>
+            <p:cNvPr id="67" name="Groupe 66"/>
+            <p:cNvGrpSpPr/>
+            <p:nvPr/>
+          </p:nvGrpSpPr>
+          <p:grpSpPr>
+            <a:xfrm>
+              <a:off x="1223185" y="875215"/>
+              <a:ext cx="9745631" cy="5107571"/>
+              <a:chOff x="1081732" y="364382"/>
+              <a:chExt cx="9745631" cy="5107571"/>
+            </a:xfrm>
+          </p:grpSpPr>
+          <p:grpSp>
+            <p:nvGrpSpPr>
+              <p:cNvPr id="48" name="Groupe 47"/>
+              <p:cNvGrpSpPr/>
+              <p:nvPr/>
+            </p:nvGrpSpPr>
+            <p:grpSpPr>
+              <a:xfrm>
+                <a:off x="1081732" y="364382"/>
+                <a:ext cx="9745631" cy="1790700"/>
+                <a:chOff x="439706" y="2533650"/>
+                <a:chExt cx="9745631" cy="1790700"/>
+              </a:xfrm>
+            </p:grpSpPr>
+            <p:grpSp>
+              <p:nvGrpSpPr>
+                <p:cNvPr id="41" name="Groupe 40"/>
+                <p:cNvGrpSpPr/>
+                <p:nvPr/>
+              </p:nvGrpSpPr>
+              <p:grpSpPr>
+                <a:xfrm>
+                  <a:off x="439706" y="2712720"/>
+                  <a:ext cx="2160000" cy="1432560"/>
+                  <a:chOff x="5016000" y="2712720"/>
+                  <a:chExt cx="2160000" cy="1432560"/>
+                </a:xfrm>
+              </p:grpSpPr>
+              <p:grpSp>
+                <p:nvGrpSpPr>
+                  <p:cNvPr id="25" name="Groupe 24"/>
+                  <p:cNvGrpSpPr/>
+                  <p:nvPr/>
+                </p:nvGrpSpPr>
+                <p:grpSpPr>
+                  <a:xfrm>
+                    <a:off x="5060653" y="2712720"/>
+                    <a:ext cx="2070695" cy="1432560"/>
+                    <a:chOff x="284371" y="2402732"/>
+                    <a:chExt cx="2070695" cy="1432560"/>
+                  </a:xfrm>
+                </p:grpSpPr>
+                <p:pic>
+                  <p:nvPicPr>
+                    <p:cNvPr id="17" name="Image 16"/>
+                    <p:cNvPicPr>
+                      <a:picLocks noChangeAspect="1"/>
+                    </p:cNvPicPr>
+                    <p:nvPr/>
+                  </p:nvPicPr>
+                  <p:blipFill>
+                    <a:blip r:embed="rId2" cstate="hqprint">
+                      <a:extLst>
+                        <a:ext uri="{28A0092B-C50C-407E-A947-70E740481C1C}">
+                          <a14:useLocalDpi xmlns:a14="http://schemas.microsoft.com/office/drawing/2010/main" val="0"/>
+                        </a:ext>
+                      </a:extLst>
+                    </a:blip>
+                    <a:stretch>
+                      <a:fillRect/>
+                    </a:stretch>
+                  </p:blipFill>
+                  <p:spPr>
+                    <a:xfrm>
+                      <a:off x="284371" y="2402732"/>
+                      <a:ext cx="1432560" cy="1432560"/>
+                    </a:xfrm>
+                    <a:prstGeom prst="rect">
+                      <a:avLst/>
+                    </a:prstGeom>
+                  </p:spPr>
+                </p:pic>
+                <p:pic>
+                  <p:nvPicPr>
+                    <p:cNvPr id="18" name="Image 17"/>
+                    <p:cNvPicPr>
+                      <a:picLocks noChangeAspect="1"/>
+                    </p:cNvPicPr>
+                    <p:nvPr/>
+                  </p:nvPicPr>
+                  <p:blipFill>
+                    <a:blip r:embed="rId2" cstate="hqprint">
+                      <a:extLst>
+                        <a:ext uri="{28A0092B-C50C-407E-A947-70E740481C1C}">
+                          <a14:useLocalDpi xmlns:a14="http://schemas.microsoft.com/office/drawing/2010/main" val="0"/>
+                        </a:ext>
+                      </a:extLst>
+                    </a:blip>
+                    <a:stretch>
+                      <a:fillRect/>
+                    </a:stretch>
+                  </p:blipFill>
+                  <p:spPr>
+                    <a:xfrm>
+                      <a:off x="922506" y="2402732"/>
+                      <a:ext cx="1432560" cy="1432560"/>
+                    </a:xfrm>
+                    <a:prstGeom prst="rect">
+                      <a:avLst/>
+                    </a:prstGeom>
+                  </p:spPr>
+                </p:pic>
+              </p:grpSp>
+              <p:sp>
+                <p:nvSpPr>
+                  <p:cNvPr id="23" name="Rectangle : coins arrondis 8">
+                    <a:extLst>
+                      <a:ext uri="{FF2B5EF4-FFF2-40B4-BE49-F238E27FC236}">
+                        <a16:creationId xmlns:a16="http://schemas.microsoft.com/office/drawing/2014/main" id="{B6A135D8-E31B-477C-81B0-D476AFCDDEFC}"/>
+                      </a:ext>
+                    </a:extLst>
+                  </p:cNvPr>
+                  <p:cNvSpPr/>
+                  <p:nvPr/>
+                </p:nvSpPr>
+                <p:spPr>
+                  <a:xfrm>
+                    <a:off x="5016000" y="2799000"/>
+                    <a:ext cx="2160000" cy="1260000"/>
+                  </a:xfrm>
+                  <a:prstGeom prst="roundRect">
+                    <a:avLst>
+                      <a:gd name="adj" fmla="val 3475"/>
+                    </a:avLst>
+                  </a:prstGeom>
+                  <a:noFill/>
+                  <a:ln w="76200">
+                    <a:solidFill>
+                      <a:schemeClr val="accent2">
+                        <a:lumMod val="60000"/>
+                        <a:lumOff val="40000"/>
+                      </a:schemeClr>
+                    </a:solidFill>
+                  </a:ln>
+                </p:spPr>
+                <p:style>
+                  <a:lnRef idx="2">
+                    <a:schemeClr val="accent1">
+                      <a:shade val="50000"/>
+                    </a:schemeClr>
+                  </a:lnRef>
+                  <a:fillRef idx="1">
+                    <a:schemeClr val="accent1"/>
+                  </a:fillRef>
+                  <a:effectRef idx="0">
+                    <a:schemeClr val="accent1"/>
+                  </a:effectRef>
+                  <a:fontRef idx="minor">
+                    <a:schemeClr val="lt1"/>
+                  </a:fontRef>
+                </p:style>
+                <p:txBody>
+                  <a:bodyPr rtlCol="0" anchor="ctr"/>
+                  <a:lstStyle/>
+                  <a:p>
+                    <a:pPr algn="ctr"/>
+                    <a:endParaRPr lang="fr-FR"/>
+                  </a:p>
+                </p:txBody>
+              </p:sp>
+            </p:grpSp>
+            <p:grpSp>
+              <p:nvGrpSpPr>
+                <p:cNvPr id="43" name="Groupe 42"/>
+                <p:cNvGrpSpPr/>
+                <p:nvPr/>
+              </p:nvGrpSpPr>
+              <p:grpSpPr>
+                <a:xfrm>
+                  <a:off x="2913258" y="2712720"/>
+                  <a:ext cx="2226985" cy="1432560"/>
+                  <a:chOff x="4982508" y="2712720"/>
+                  <a:chExt cx="2226985" cy="1432560"/>
+                </a:xfrm>
+              </p:grpSpPr>
+              <p:grpSp>
+                <p:nvGrpSpPr>
+                  <p:cNvPr id="21" name="Groupe 20"/>
+                  <p:cNvGrpSpPr/>
+                  <p:nvPr/>
+                </p:nvGrpSpPr>
+                <p:grpSpPr>
+                  <a:xfrm>
+                    <a:off x="4982508" y="2712720"/>
+                    <a:ext cx="2226985" cy="1432560"/>
+                    <a:chOff x="128081" y="126459"/>
+                    <a:chExt cx="2226985" cy="1432560"/>
+                  </a:xfrm>
+                </p:grpSpPr>
+                <p:pic>
+                  <p:nvPicPr>
+                    <p:cNvPr id="2" name="Image 1"/>
+                    <p:cNvPicPr>
+                      <a:picLocks noChangeAspect="1"/>
+                    </p:cNvPicPr>
+                    <p:nvPr/>
+                  </p:nvPicPr>
+                  <p:blipFill>
+                    <a:blip r:embed="rId3" cstate="hqprint">
+                      <a:extLst>
+                        <a:ext uri="{28A0092B-C50C-407E-A947-70E740481C1C}">
+                          <a14:useLocalDpi xmlns:a14="http://schemas.microsoft.com/office/drawing/2010/main" val="0"/>
+                        </a:ext>
+                      </a:extLst>
+                    </a:blip>
+                    <a:stretch>
+                      <a:fillRect/>
+                    </a:stretch>
+                  </p:blipFill>
+                  <p:spPr>
+                    <a:xfrm>
+                      <a:off x="128081" y="126459"/>
+                      <a:ext cx="1432560" cy="1432560"/>
+                    </a:xfrm>
+                    <a:prstGeom prst="rect">
+                      <a:avLst/>
+                    </a:prstGeom>
+                  </p:spPr>
+                </p:pic>
+                <p:pic>
+                  <p:nvPicPr>
+                    <p:cNvPr id="8" name="Image 7"/>
+                    <p:cNvPicPr>
+                      <a:picLocks noChangeAspect="1"/>
+                    </p:cNvPicPr>
+                    <p:nvPr/>
+                  </p:nvPicPr>
+                  <p:blipFill>
+                    <a:blip r:embed="rId3" cstate="hqprint">
+                      <a:extLst>
+                        <a:ext uri="{28A0092B-C50C-407E-A947-70E740481C1C}">
+                          <a14:useLocalDpi xmlns:a14="http://schemas.microsoft.com/office/drawing/2010/main" val="0"/>
+                        </a:ext>
+                      </a:extLst>
+                    </a:blip>
+                    <a:stretch>
+                      <a:fillRect/>
+                    </a:stretch>
+                  </p:blipFill>
+                  <p:spPr>
+                    <a:xfrm>
+                      <a:off x="922506" y="126459"/>
+                      <a:ext cx="1432560" cy="1432560"/>
+                    </a:xfrm>
+                    <a:prstGeom prst="rect">
+                      <a:avLst/>
+                    </a:prstGeom>
+                  </p:spPr>
+                </p:pic>
+              </p:grpSp>
+              <p:sp>
+                <p:nvSpPr>
+                  <p:cNvPr id="42" name="Rectangle : coins arrondis 8">
+                    <a:extLst>
+                      <a:ext uri="{FF2B5EF4-FFF2-40B4-BE49-F238E27FC236}">
+                        <a16:creationId xmlns:a16="http://schemas.microsoft.com/office/drawing/2014/main" id="{B6A135D8-E31B-477C-81B0-D476AFCDDEFC}"/>
+                      </a:ext>
+                    </a:extLst>
+                  </p:cNvPr>
+                  <p:cNvSpPr/>
+                  <p:nvPr/>
+                </p:nvSpPr>
+                <p:spPr>
+                  <a:xfrm>
+                    <a:off x="5016000" y="2799000"/>
+                    <a:ext cx="2160000" cy="1260000"/>
+                  </a:xfrm>
+                  <a:prstGeom prst="roundRect">
+                    <a:avLst>
+                      <a:gd name="adj" fmla="val 3475"/>
+                    </a:avLst>
+                  </a:prstGeom>
+                  <a:noFill/>
+                  <a:ln w="76200">
+                    <a:solidFill>
+                      <a:schemeClr val="accent2">
+                        <a:lumMod val="60000"/>
+                        <a:lumOff val="40000"/>
+                      </a:schemeClr>
+                    </a:solidFill>
+                  </a:ln>
+                </p:spPr>
+                <p:style>
+                  <a:lnRef idx="2">
+                    <a:schemeClr val="accent1">
+                      <a:shade val="50000"/>
+                    </a:schemeClr>
+                  </a:lnRef>
+                  <a:fillRef idx="1">
+                    <a:schemeClr val="accent1"/>
+                  </a:fillRef>
+                  <a:effectRef idx="0">
+                    <a:schemeClr val="accent1"/>
+                  </a:effectRef>
+                  <a:fontRef idx="minor">
+                    <a:schemeClr val="lt1"/>
+                  </a:fontRef>
+                </p:style>
+                <p:txBody>
+                  <a:bodyPr rtlCol="0" anchor="ctr"/>
+                  <a:lstStyle/>
+                  <a:p>
+                    <a:pPr algn="ctr"/>
+                    <a:endParaRPr lang="fr-FR"/>
+                  </a:p>
+                </p:txBody>
+              </p:sp>
+            </p:grpSp>
+            <p:grpSp>
+              <p:nvGrpSpPr>
+                <p:cNvPr id="45" name="Groupe 44"/>
+                <p:cNvGrpSpPr/>
+                <p:nvPr/>
+              </p:nvGrpSpPr>
+              <p:grpSpPr>
+                <a:xfrm>
+                  <a:off x="5502790" y="2533650"/>
+                  <a:ext cx="2160000" cy="1790700"/>
+                  <a:chOff x="5016000" y="2533650"/>
+                  <a:chExt cx="2160000" cy="1790700"/>
+                </a:xfrm>
+              </p:grpSpPr>
+              <p:pic>
+                <p:nvPicPr>
+                  <p:cNvPr id="26" name="Image 25"/>
+                  <p:cNvPicPr>
+                    <a:picLocks noChangeAspect="1"/>
+                  </p:cNvPicPr>
+                  <p:nvPr/>
+                </p:nvPicPr>
+                <p:blipFill>
+                  <a:blip r:embed="rId4" cstate="hqprint">
+                    <a:extLst>
+                      <a:ext uri="{28A0092B-C50C-407E-A947-70E740481C1C}">
+                        <a14:useLocalDpi xmlns:a14="http://schemas.microsoft.com/office/drawing/2010/main" val="0"/>
+                      </a:ext>
+                    </a:extLst>
+                  </a:blip>
+                  <a:stretch>
+                    <a:fillRect/>
+                  </a:stretch>
+                </p:blipFill>
+                <p:spPr>
+                  <a:xfrm>
+                    <a:off x="5200650" y="2533650"/>
+                    <a:ext cx="1790700" cy="1790700"/>
+                  </a:xfrm>
+                  <a:prstGeom prst="rect">
+                    <a:avLst/>
+                  </a:prstGeom>
+                </p:spPr>
+              </p:pic>
+              <p:sp>
+                <p:nvSpPr>
+                  <p:cNvPr id="44" name="Rectangle : coins arrondis 8">
+                    <a:extLst>
+                      <a:ext uri="{FF2B5EF4-FFF2-40B4-BE49-F238E27FC236}">
+                        <a16:creationId xmlns:a16="http://schemas.microsoft.com/office/drawing/2014/main" id="{B6A135D8-E31B-477C-81B0-D476AFCDDEFC}"/>
+                      </a:ext>
+                    </a:extLst>
+                  </p:cNvPr>
+                  <p:cNvSpPr/>
+                  <p:nvPr/>
+                </p:nvSpPr>
+                <p:spPr>
+                  <a:xfrm>
+                    <a:off x="5016000" y="2799000"/>
+                    <a:ext cx="2160000" cy="1260000"/>
+                  </a:xfrm>
+                  <a:prstGeom prst="roundRect">
+                    <a:avLst>
+                      <a:gd name="adj" fmla="val 3475"/>
+                    </a:avLst>
+                  </a:prstGeom>
+                  <a:noFill/>
+                  <a:ln w="76200">
+                    <a:solidFill>
+                      <a:schemeClr val="accent2">
+                        <a:lumMod val="60000"/>
+                        <a:lumOff val="40000"/>
+                      </a:schemeClr>
+                    </a:solidFill>
+                  </a:ln>
+                </p:spPr>
+                <p:style>
+                  <a:lnRef idx="2">
+                    <a:schemeClr val="accent1">
+                      <a:shade val="50000"/>
+                    </a:schemeClr>
+                  </a:lnRef>
+                  <a:fillRef idx="1">
+                    <a:schemeClr val="accent1"/>
+                  </a:fillRef>
+                  <a:effectRef idx="0">
+                    <a:schemeClr val="accent1"/>
+                  </a:effectRef>
+                  <a:fontRef idx="minor">
+                    <a:schemeClr val="lt1"/>
+                  </a:fontRef>
+                </p:style>
+                <p:txBody>
+                  <a:bodyPr rtlCol="0" anchor="ctr"/>
+                  <a:lstStyle/>
+                  <a:p>
+                    <a:pPr algn="ctr"/>
+                    <a:endParaRPr lang="fr-FR"/>
+                  </a:p>
+                </p:txBody>
+              </p:sp>
+            </p:grpSp>
+            <p:grpSp>
+              <p:nvGrpSpPr>
+                <p:cNvPr id="47" name="Groupe 46"/>
+                <p:cNvGrpSpPr/>
+                <p:nvPr/>
+              </p:nvGrpSpPr>
+              <p:grpSpPr>
+                <a:xfrm>
+                  <a:off x="8025337" y="2712720"/>
+                  <a:ext cx="2160000" cy="1432560"/>
+                  <a:chOff x="5016000" y="2712720"/>
+                  <a:chExt cx="2160000" cy="1432560"/>
+                </a:xfrm>
+              </p:grpSpPr>
+              <p:pic>
+                <p:nvPicPr>
+                  <p:cNvPr id="28" name="Image 27"/>
+                  <p:cNvPicPr>
+                    <a:picLocks noChangeAspect="1"/>
+                  </p:cNvPicPr>
+                  <p:nvPr/>
+                </p:nvPicPr>
+                <p:blipFill>
+                  <a:blip r:embed="rId5" cstate="hqprint">
+                    <a:extLst>
+                      <a:ext uri="{28A0092B-C50C-407E-A947-70E740481C1C}">
+                        <a14:useLocalDpi xmlns:a14="http://schemas.microsoft.com/office/drawing/2010/main" val="0"/>
+                      </a:ext>
+                    </a:extLst>
+                  </a:blip>
+                  <a:stretch>
+                    <a:fillRect/>
+                  </a:stretch>
+                </p:blipFill>
+                <p:spPr>
+                  <a:xfrm>
+                    <a:off x="5379720" y="2712720"/>
+                    <a:ext cx="1432560" cy="1432560"/>
+                  </a:xfrm>
+                  <a:prstGeom prst="rect">
+                    <a:avLst/>
+                  </a:prstGeom>
+                </p:spPr>
+              </p:pic>
+              <p:sp>
+                <p:nvSpPr>
+                  <p:cNvPr id="46" name="Rectangle : coins arrondis 8">
+                    <a:extLst>
+                      <a:ext uri="{FF2B5EF4-FFF2-40B4-BE49-F238E27FC236}">
+                        <a16:creationId xmlns:a16="http://schemas.microsoft.com/office/drawing/2014/main" id="{B6A135D8-E31B-477C-81B0-D476AFCDDEFC}"/>
+                      </a:ext>
+                    </a:extLst>
+                  </p:cNvPr>
+                  <p:cNvSpPr/>
+                  <p:nvPr/>
+                </p:nvSpPr>
+                <p:spPr>
+                  <a:xfrm>
+                    <a:off x="5016000" y="2799000"/>
+                    <a:ext cx="2160000" cy="1260000"/>
+                  </a:xfrm>
+                  <a:prstGeom prst="roundRect">
+                    <a:avLst>
+                      <a:gd name="adj" fmla="val 3475"/>
+                    </a:avLst>
+                  </a:prstGeom>
+                  <a:noFill/>
+                  <a:ln w="76200">
+                    <a:solidFill>
+                      <a:schemeClr val="accent2">
+                        <a:lumMod val="60000"/>
+                        <a:lumOff val="40000"/>
+                      </a:schemeClr>
+                    </a:solidFill>
+                  </a:ln>
+                </p:spPr>
+                <p:style>
+                  <a:lnRef idx="2">
+                    <a:schemeClr val="accent1">
+                      <a:shade val="50000"/>
+                    </a:schemeClr>
+                  </a:lnRef>
+                  <a:fillRef idx="1">
+                    <a:schemeClr val="accent1"/>
+                  </a:fillRef>
+                  <a:effectRef idx="0">
+                    <a:schemeClr val="accent1"/>
+                  </a:effectRef>
+                  <a:fontRef idx="minor">
+                    <a:schemeClr val="lt1"/>
+                  </a:fontRef>
+                </p:style>
+                <p:txBody>
+                  <a:bodyPr rtlCol="0" anchor="ctr"/>
+                  <a:lstStyle/>
+                  <a:p>
+                    <a:pPr algn="ctr"/>
+                    <a:endParaRPr lang="fr-FR"/>
+                  </a:p>
+                </p:txBody>
+              </p:sp>
+            </p:grpSp>
+          </p:grpSp>
+          <p:grpSp>
+            <p:nvGrpSpPr>
+              <p:cNvPr id="66" name="Groupe 65"/>
+              <p:cNvGrpSpPr/>
+              <p:nvPr/>
+            </p:nvGrpSpPr>
+            <p:grpSpPr>
+              <a:xfrm>
+                <a:off x="1081732" y="4039393"/>
+                <a:ext cx="9745631" cy="1432560"/>
+                <a:chOff x="1081732" y="2998533"/>
+                <a:chExt cx="9745631" cy="1432560"/>
+              </a:xfrm>
+            </p:grpSpPr>
+            <p:pic>
+              <p:nvPicPr>
+                <p:cNvPr id="16" name="Image 15"/>
+                <p:cNvPicPr>
+                  <a:picLocks noChangeAspect="1"/>
+                </p:cNvPicPr>
+                <p:nvPr/>
+              </p:nvPicPr>
+              <p:blipFill>
+                <a:blip r:embed="rId6" cstate="hqprint">
+                  <a:extLst>
+                    <a:ext uri="{28A0092B-C50C-407E-A947-70E740481C1C}">
+                      <a14:useLocalDpi xmlns:a14="http://schemas.microsoft.com/office/drawing/2010/main" val="0"/>
+                    </a:ext>
+                  </a:extLst>
+                </a:blip>
+                <a:stretch>
+                  <a:fillRect/>
+                </a:stretch>
+              </p:blipFill>
+              <p:spPr>
+                <a:xfrm>
+                  <a:off x="1445452" y="2998533"/>
+                  <a:ext cx="1432560" cy="1432560"/>
+                </a:xfrm>
+                <a:prstGeom prst="rect">
+                  <a:avLst/>
+                </a:prstGeom>
+              </p:spPr>
+            </p:pic>
+            <p:pic>
+              <p:nvPicPr>
+                <p:cNvPr id="22" name="Image 21"/>
+                <p:cNvPicPr>
+                  <a:picLocks noChangeAspect="1"/>
+                </p:cNvPicPr>
+                <p:nvPr/>
+              </p:nvPicPr>
+              <p:blipFill>
+                <a:blip r:embed="rId7" cstate="hqprint">
+                  <a:extLst>
+                    <a:ext uri="{28A0092B-C50C-407E-A947-70E740481C1C}">
+                      <a14:useLocalDpi xmlns:a14="http://schemas.microsoft.com/office/drawing/2010/main" val="0"/>
+                    </a:ext>
+                  </a:extLst>
+                </a:blip>
+                <a:stretch>
+                  <a:fillRect/>
+                </a:stretch>
+              </p:blipFill>
+              <p:spPr>
+                <a:xfrm>
+                  <a:off x="3952496" y="2998533"/>
+                  <a:ext cx="1432560" cy="1432560"/>
+                </a:xfrm>
+                <a:prstGeom prst="rect">
+                  <a:avLst/>
+                </a:prstGeom>
+              </p:spPr>
+            </p:pic>
+            <p:pic>
+              <p:nvPicPr>
+                <p:cNvPr id="27" name="Image 26"/>
+                <p:cNvPicPr>
+                  <a:picLocks noChangeAspect="1"/>
+                </p:cNvPicPr>
+                <p:nvPr/>
+              </p:nvPicPr>
+              <p:blipFill>
+                <a:blip r:embed="rId8" cstate="hqprint">
+                  <a:extLst>
+                    <a:ext uri="{28A0092B-C50C-407E-A947-70E740481C1C}">
+                      <a14:useLocalDpi xmlns:a14="http://schemas.microsoft.com/office/drawing/2010/main" val="0"/>
+                    </a:ext>
+                  </a:extLst>
+                </a:blip>
+                <a:stretch>
+                  <a:fillRect/>
+                </a:stretch>
+              </p:blipFill>
+              <p:spPr>
+                <a:xfrm>
+                  <a:off x="6508536" y="2998533"/>
+                  <a:ext cx="1432560" cy="1432560"/>
+                </a:xfrm>
+                <a:prstGeom prst="rect">
+                  <a:avLst/>
+                </a:prstGeom>
+              </p:spPr>
+            </p:pic>
+            <p:pic>
+              <p:nvPicPr>
+                <p:cNvPr id="29" name="Image 28"/>
+                <p:cNvPicPr>
+                  <a:picLocks noChangeAspect="1"/>
+                </p:cNvPicPr>
+                <p:nvPr/>
+              </p:nvPicPr>
+              <p:blipFill>
+                <a:blip r:embed="rId9" cstate="hqprint">
+                  <a:extLst>
+                    <a:ext uri="{28A0092B-C50C-407E-A947-70E740481C1C}">
+                      <a14:useLocalDpi xmlns:a14="http://schemas.microsoft.com/office/drawing/2010/main" val="0"/>
+                    </a:ext>
+                  </a:extLst>
+                </a:blip>
+                <a:stretch>
+                  <a:fillRect/>
+                </a:stretch>
+              </p:blipFill>
+              <p:spPr>
+                <a:xfrm>
+                  <a:off x="9031083" y="2998533"/>
+                  <a:ext cx="1432560" cy="1432560"/>
+                </a:xfrm>
+                <a:prstGeom prst="rect">
+                  <a:avLst/>
+                </a:prstGeom>
+              </p:spPr>
+            </p:pic>
+            <p:grpSp>
+              <p:nvGrpSpPr>
+                <p:cNvPr id="49" name="Groupe 48"/>
+                <p:cNvGrpSpPr/>
+                <p:nvPr/>
+              </p:nvGrpSpPr>
+              <p:grpSpPr>
+                <a:xfrm>
+                  <a:off x="1081732" y="3084813"/>
+                  <a:ext cx="9745631" cy="1260000"/>
+                  <a:chOff x="439706" y="2799000"/>
+                  <a:chExt cx="9745631" cy="1260000"/>
+                </a:xfrm>
+              </p:grpSpPr>
+              <p:sp>
+                <p:nvSpPr>
+                  <p:cNvPr id="63" name="Rectangle : coins arrondis 8">
+                    <a:extLst>
+                      <a:ext uri="{FF2B5EF4-FFF2-40B4-BE49-F238E27FC236}">
+                        <a16:creationId xmlns:a16="http://schemas.microsoft.com/office/drawing/2014/main" id="{B6A135D8-E31B-477C-81B0-D476AFCDDEFC}"/>
+                      </a:ext>
+                    </a:extLst>
+                  </p:cNvPr>
+                  <p:cNvSpPr/>
+                  <p:nvPr/>
+                </p:nvSpPr>
+                <p:spPr>
+                  <a:xfrm>
+                    <a:off x="439706" y="2799000"/>
+                    <a:ext cx="2160000" cy="1260000"/>
+                  </a:xfrm>
+                  <a:prstGeom prst="roundRect">
+                    <a:avLst>
+                      <a:gd name="adj" fmla="val 3475"/>
+                    </a:avLst>
+                  </a:prstGeom>
+                  <a:noFill/>
+                  <a:ln w="76200">
+                    <a:solidFill>
+                      <a:schemeClr val="accent6">
+                        <a:lumMod val="60000"/>
+                        <a:lumOff val="40000"/>
+                      </a:schemeClr>
+                    </a:solidFill>
+                  </a:ln>
+                </p:spPr>
+                <p:style>
+                  <a:lnRef idx="2">
+                    <a:schemeClr val="accent1">
+                      <a:shade val="50000"/>
+                    </a:schemeClr>
+                  </a:lnRef>
+                  <a:fillRef idx="1">
+                    <a:schemeClr val="accent1"/>
+                  </a:fillRef>
+                  <a:effectRef idx="0">
+                    <a:schemeClr val="accent1"/>
+                  </a:effectRef>
+                  <a:fontRef idx="minor">
+                    <a:schemeClr val="lt1"/>
+                  </a:fontRef>
+                </p:style>
+                <p:txBody>
+                  <a:bodyPr rtlCol="0" anchor="ctr"/>
+                  <a:lstStyle/>
+                  <a:p>
+                    <a:pPr algn="ctr"/>
+                    <a:endParaRPr lang="fr-FR"/>
+                  </a:p>
+                </p:txBody>
+              </p:sp>
+              <p:sp>
+                <p:nvSpPr>
+                  <p:cNvPr id="59" name="Rectangle : coins arrondis 8">
+                    <a:extLst>
+                      <a:ext uri="{FF2B5EF4-FFF2-40B4-BE49-F238E27FC236}">
+                        <a16:creationId xmlns:a16="http://schemas.microsoft.com/office/drawing/2014/main" id="{B6A135D8-E31B-477C-81B0-D476AFCDDEFC}"/>
+                      </a:ext>
+                    </a:extLst>
+                  </p:cNvPr>
+                  <p:cNvSpPr/>
+                  <p:nvPr/>
+                </p:nvSpPr>
+                <p:spPr>
+                  <a:xfrm>
+                    <a:off x="2946750" y="2799000"/>
+                    <a:ext cx="2160000" cy="1260000"/>
+                  </a:xfrm>
+                  <a:prstGeom prst="roundRect">
+                    <a:avLst>
+                      <a:gd name="adj" fmla="val 3475"/>
+                    </a:avLst>
+                  </a:prstGeom>
+                  <a:noFill/>
+                  <a:ln w="76200">
+                    <a:solidFill>
+                      <a:schemeClr val="accent6">
+                        <a:lumMod val="60000"/>
+                        <a:lumOff val="40000"/>
+                      </a:schemeClr>
+                    </a:solidFill>
+                  </a:ln>
+                </p:spPr>
+                <p:style>
+                  <a:lnRef idx="2">
+                    <a:schemeClr val="accent1">
+                      <a:shade val="50000"/>
+                    </a:schemeClr>
+                  </a:lnRef>
+                  <a:fillRef idx="1">
+                    <a:schemeClr val="accent1"/>
+                  </a:fillRef>
+                  <a:effectRef idx="0">
+                    <a:schemeClr val="accent1"/>
+                  </a:effectRef>
+                  <a:fontRef idx="minor">
+                    <a:schemeClr val="lt1"/>
+                  </a:fontRef>
+                </p:style>
+                <p:txBody>
+                  <a:bodyPr rtlCol="0" anchor="ctr"/>
+                  <a:lstStyle/>
+                  <a:p>
+                    <a:pPr algn="ctr"/>
+                    <a:endParaRPr lang="fr-FR"/>
+                  </a:p>
+                </p:txBody>
+              </p:sp>
+              <p:sp>
+                <p:nvSpPr>
+                  <p:cNvPr id="57" name="Rectangle : coins arrondis 8">
+                    <a:extLst>
+                      <a:ext uri="{FF2B5EF4-FFF2-40B4-BE49-F238E27FC236}">
+                        <a16:creationId xmlns:a16="http://schemas.microsoft.com/office/drawing/2014/main" id="{B6A135D8-E31B-477C-81B0-D476AFCDDEFC}"/>
+                      </a:ext>
+                    </a:extLst>
+                  </p:cNvPr>
+                  <p:cNvSpPr/>
+                  <p:nvPr/>
+                </p:nvSpPr>
+                <p:spPr>
+                  <a:xfrm>
+                    <a:off x="5502790" y="2799000"/>
+                    <a:ext cx="2160000" cy="1260000"/>
+                  </a:xfrm>
+                  <a:prstGeom prst="roundRect">
+                    <a:avLst>
+                      <a:gd name="adj" fmla="val 3475"/>
+                    </a:avLst>
+                  </a:prstGeom>
+                  <a:noFill/>
+                  <a:ln w="76200">
+                    <a:solidFill>
+                      <a:schemeClr val="accent6">
+                        <a:lumMod val="60000"/>
+                        <a:lumOff val="40000"/>
+                      </a:schemeClr>
+                    </a:solidFill>
+                  </a:ln>
+                </p:spPr>
+                <p:style>
+                  <a:lnRef idx="2">
+                    <a:schemeClr val="accent1">
+                      <a:shade val="50000"/>
+                    </a:schemeClr>
+                  </a:lnRef>
+                  <a:fillRef idx="1">
+                    <a:schemeClr val="accent1"/>
+                  </a:fillRef>
+                  <a:effectRef idx="0">
+                    <a:schemeClr val="accent1"/>
+                  </a:effectRef>
+                  <a:fontRef idx="minor">
+                    <a:schemeClr val="lt1"/>
+                  </a:fontRef>
+                </p:style>
+                <p:txBody>
+                  <a:bodyPr rtlCol="0" anchor="ctr"/>
+                  <a:lstStyle/>
+                  <a:p>
+                    <a:pPr algn="ctr"/>
+                    <a:endParaRPr lang="fr-FR"/>
+                  </a:p>
+                </p:txBody>
+              </p:sp>
+              <p:sp>
+                <p:nvSpPr>
+                  <p:cNvPr id="55" name="Rectangle : coins arrondis 8">
+                    <a:extLst>
+                      <a:ext uri="{FF2B5EF4-FFF2-40B4-BE49-F238E27FC236}">
+                        <a16:creationId xmlns:a16="http://schemas.microsoft.com/office/drawing/2014/main" id="{B6A135D8-E31B-477C-81B0-D476AFCDDEFC}"/>
+                      </a:ext>
+                    </a:extLst>
+                  </p:cNvPr>
+                  <p:cNvSpPr/>
+                  <p:nvPr/>
+                </p:nvSpPr>
+                <p:spPr>
+                  <a:xfrm>
+                    <a:off x="8025337" y="2799000"/>
+                    <a:ext cx="2160000" cy="1260000"/>
+                  </a:xfrm>
+                  <a:prstGeom prst="roundRect">
+                    <a:avLst>
+                      <a:gd name="adj" fmla="val 3475"/>
+                    </a:avLst>
+                  </a:prstGeom>
+                  <a:noFill/>
+                  <a:ln w="76200">
+                    <a:solidFill>
+                      <a:schemeClr val="accent6">
+                        <a:lumMod val="60000"/>
+                        <a:lumOff val="40000"/>
+                      </a:schemeClr>
+                    </a:solidFill>
+                  </a:ln>
+                </p:spPr>
+                <p:style>
+                  <a:lnRef idx="2">
+                    <a:schemeClr val="accent1">
+                      <a:shade val="50000"/>
+                    </a:schemeClr>
+                  </a:lnRef>
+                  <a:fillRef idx="1">
+                    <a:schemeClr val="accent1"/>
+                  </a:fillRef>
+                  <a:effectRef idx="0">
+                    <a:schemeClr val="accent1"/>
+                  </a:effectRef>
+                  <a:fontRef idx="minor">
+                    <a:schemeClr val="lt1"/>
+                  </a:fontRef>
+                </p:style>
+                <p:txBody>
+                  <a:bodyPr rtlCol="0" anchor="ctr"/>
+                  <a:lstStyle/>
+                  <a:p>
+                    <a:pPr algn="ctr"/>
+                    <a:endParaRPr lang="fr-FR"/>
+                  </a:p>
+                </p:txBody>
+              </p:sp>
+            </p:grpSp>
+          </p:grpSp>
+        </p:grpSp>
+        <p:sp>
+          <p:nvSpPr>
+            <p:cNvPr id="68" name="Pentagone 67"/>
+            <p:cNvSpPr/>
+            <p:nvPr/>
+          </p:nvSpPr>
+          <p:spPr>
+            <a:xfrm rot="5400000">
+              <a:off x="5296875" y="-1397421"/>
+              <a:ext cx="1598254" cy="9745633"/>
+            </a:xfrm>
+            <a:prstGeom prst="homePlate">
+              <a:avLst>
+                <a:gd name="adj" fmla="val 57304"/>
+              </a:avLst>
+            </a:prstGeom>
+            <a:gradFill flip="none" rotWithShape="1">
+              <a:gsLst>
+                <a:gs pos="0">
+                  <a:schemeClr val="accent2">
+                    <a:lumMod val="60000"/>
+                    <a:lumOff val="40000"/>
+                  </a:schemeClr>
+                </a:gs>
+                <a:gs pos="57000">
+                  <a:schemeClr val="accent6">
+                    <a:lumMod val="60000"/>
+                    <a:lumOff val="40000"/>
+                  </a:schemeClr>
+                </a:gs>
+              </a:gsLst>
+              <a:lin ang="0" scaled="1"/>
+              <a:tileRect/>
+            </a:gradFill>
+          </p:spPr>
+          <p:style>
+            <a:lnRef idx="2">
+              <a:schemeClr val="accent1">
+                <a:shade val="50000"/>
+              </a:schemeClr>
+            </a:lnRef>
+            <a:fillRef idx="1">
+              <a:schemeClr val="accent1"/>
+            </a:fillRef>
+            <a:effectRef idx="0">
+              <a:schemeClr val="accent1"/>
+            </a:effectRef>
+            <a:fontRef idx="minor">
+              <a:schemeClr val="lt1"/>
+            </a:fontRef>
+          </p:style>
+          <p:txBody>
+            <a:bodyPr rtlCol="0" anchor="ctr"/>
+            <a:lstStyle/>
+            <a:p>
+              <a:pPr algn="ctr"/>
+              <a:endParaRPr lang="fr-FR"/>
+            </a:p>
+          </p:txBody>
+        </p:sp>
+      </p:grpSp>
+    </p:spTree>
+    <p:extLst>
+      <p:ext uri="{BB962C8B-B14F-4D97-AF65-F5344CB8AC3E}">
+        <p14:creationId xmlns:p14="http://schemas.microsoft.com/office/powerpoint/2010/main" val="3374981350"/>
+      </p:ext>
+    </p:extLst>
+  </p:cSld>
+  <p:clrMapOvr>
+    <a:masterClrMapping/>
+  </p:clrMapOvr>
+  <p:timing>
+    <p:tnLst>
+      <p:par>
+        <p:cTn id="1" dur="indefinite" restart="never" nodeType="tmRoot"/>
+      </p:par>
+    </p:tnLst>
+  </p:timing>
+</p:sld>
+</file>
+
+<file path=ppt/slides/slide3.xml><?xml version="1.0" encoding="utf-8"?>
 <p:sld xmlns:a="http://schemas.openxmlformats.org/drawingml/2006/main" xmlns:r="http://schemas.openxmlformats.org/officeDocument/2006/relationships" xmlns:p="http://schemas.openxmlformats.org/presentationml/2006/main">
   <p:cSld>
     <p:bg>
@@ -3836,10 +4875,17 @@
   <p:clrMapOvr>
     <a:masterClrMapping/>
   </p:clrMapOvr>
+  <p:timing>
+    <p:tnLst>
+      <p:par>
+        <p:cTn id="1" dur="indefinite" restart="never" nodeType="tmRoot"/>
+      </p:par>
+    </p:tnLst>
+  </p:timing>
 </p:sld>
 </file>
 
-<file path=ppt/slides/slide3.xml><?xml version="1.0" encoding="utf-8"?>
+<file path=ppt/slides/slide4.xml><?xml version="1.0" encoding="utf-8"?>
 <p:sld xmlns:a="http://schemas.openxmlformats.org/drawingml/2006/main" xmlns:r="http://schemas.openxmlformats.org/officeDocument/2006/relationships" xmlns:p="http://schemas.openxmlformats.org/presentationml/2006/main">
   <p:cSld>
     <p:bg>
@@ -3934,8 +4980,8 @@
         </p:nvSpPr>
         <p:spPr>
           <a:xfrm>
-            <a:off x="1000626" y="1443841"/>
-            <a:ext cx="10190748" cy="3970318"/>
+            <a:off x="1000626" y="1874729"/>
+            <a:ext cx="10190748" cy="3108543"/>
           </a:xfrm>
           <a:prstGeom prst="rect">
             <a:avLst/>
@@ -3953,13 +4999,90 @@
               <a:buChar char="ü"/>
             </a:pPr>
             <a:r>
+              <a:rPr lang="fr-FR" sz="2800" dirty="0" smtClean="0">
+                <a:solidFill>
+                  <a:schemeClr val="bg1"/>
+                </a:solidFill>
+                <a:latin typeface="Raleway ExtraLight" panose="020B0303030101060003" pitchFamily="34" charset="0"/>
+              </a:rPr>
+              <a:t>Démonstrations</a:t>
+            </a:r>
+          </a:p>
+          <a:p>
+            <a:pPr marL="457200" indent="-457200">
+              <a:buFont typeface="Wingdings" panose="05000000000000000000" pitchFamily="2" charset="2"/>
+              <a:buChar char="ü"/>
+            </a:pPr>
+            <a:endParaRPr lang="fr-FR" sz="2800" dirty="0" smtClean="0">
+              <a:solidFill>
+                <a:schemeClr val="bg1"/>
+              </a:solidFill>
+              <a:latin typeface="Raleway ExtraLight" panose="020B0303030101060003" pitchFamily="34" charset="0"/>
+            </a:endParaRPr>
+          </a:p>
+          <a:p>
+            <a:pPr marL="457200" indent="-457200">
+              <a:buFont typeface="Wingdings" panose="05000000000000000000" pitchFamily="2" charset="2"/>
+              <a:buChar char="ü"/>
+            </a:pPr>
+            <a:r>
+              <a:rPr lang="fr-FR" sz="2800" dirty="0" smtClean="0">
+                <a:solidFill>
+                  <a:schemeClr val="bg1"/>
+                </a:solidFill>
+                <a:latin typeface="Raleway ExtraLight" panose="020B0303030101060003" pitchFamily="34" charset="0"/>
+              </a:rPr>
+              <a:t>Tutoriel </a:t>
+            </a:r>
+            <a:r>
               <a:rPr lang="fr-FR" sz="2800" dirty="0">
                 <a:solidFill>
                   <a:schemeClr val="bg1"/>
                 </a:solidFill>
                 <a:latin typeface="Raleway ExtraLight" panose="020B0303030101060003" pitchFamily="34" charset="0"/>
               </a:rPr>
-              <a:t>Tutoriel en ligne</a:t>
+              <a:t>en </a:t>
+            </a:r>
+            <a:r>
+              <a:rPr lang="fr-FR" sz="2800" dirty="0" smtClean="0">
+                <a:solidFill>
+                  <a:schemeClr val="bg1"/>
+                </a:solidFill>
+                <a:latin typeface="Raleway ExtraLight" panose="020B0303030101060003" pitchFamily="34" charset="0"/>
+              </a:rPr>
+              <a:t>ligne : https</a:t>
+            </a:r>
+            <a:r>
+              <a:rPr lang="fr-FR" sz="2800" dirty="0">
+                <a:solidFill>
+                  <a:schemeClr val="bg1"/>
+                </a:solidFill>
+                <a:latin typeface="Raleway ExtraLight" panose="020B0303030101060003" pitchFamily="34" charset="0"/>
+              </a:rPr>
+              <a:t>://ateliers-codons.netlify.app/</a:t>
+            </a:r>
+          </a:p>
+          <a:p>
+            <a:endParaRPr lang="fr-FR" sz="2800" dirty="0">
+              <a:solidFill>
+                <a:schemeClr val="bg1"/>
+              </a:solidFill>
+              <a:latin typeface="Raleway ExtraLight" panose="020B0303030101060003" pitchFamily="34" charset="0"/>
+            </a:endParaRPr>
+          </a:p>
+          <a:p>
+            <a:pPr marL="457200" indent="-457200">
+              <a:buFont typeface="Wingdings" panose="05000000000000000000" pitchFamily="2" charset="2"/>
+              <a:buChar char="ü"/>
+            </a:pPr>
+            <a:r>
+              <a:rPr lang="fr-FR" sz="2800" dirty="0">
+                <a:solidFill>
+                  <a:schemeClr val="bg1"/>
+                </a:solidFill>
+                <a:latin typeface="Raleway ExtraLight" panose="020B0303030101060003" pitchFamily="34" charset="0"/>
+              </a:rPr>
+              <a:t>Document de synthèse</a:t>
             </a:r>
           </a:p>
           <a:p>
@@ -3975,92 +5098,25 @@
             </a:endParaRPr>
           </a:p>
           <a:p>
-            <a:r>
-              <a:rPr lang="fr-FR" sz="2800" dirty="0">
+            <a:pPr marL="457200" indent="-457200">
+              <a:buFont typeface="Wingdings" panose="05000000000000000000" pitchFamily="2" charset="2"/>
+              <a:buChar char="ü"/>
+            </a:pPr>
+            <a:r>
+              <a:rPr lang="fr-FR" sz="2800" dirty="0" smtClean="0">
                 <a:solidFill>
                   <a:schemeClr val="bg1"/>
                 </a:solidFill>
                 <a:latin typeface="Raleway ExtraLight" panose="020B0303030101060003" pitchFamily="34" charset="0"/>
               </a:rPr>
-              <a:t>	https://ateliers-codons.netlify.app/</a:t>
-            </a:r>
-          </a:p>
-          <a:p>
+              <a:t>Défi</a:t>
+            </a:r>
             <a:endParaRPr lang="fr-FR" sz="2800" dirty="0">
               <a:solidFill>
                 <a:schemeClr val="bg1"/>
               </a:solidFill>
               <a:latin typeface="Raleway ExtraLight" panose="020B0303030101060003" pitchFamily="34" charset="0"/>
             </a:endParaRPr>
-          </a:p>
-          <a:p>
-            <a:pPr marL="457200" indent="-457200">
-              <a:buFont typeface="Wingdings" panose="05000000000000000000" pitchFamily="2" charset="2"/>
-              <a:buChar char="ü"/>
-            </a:pPr>
-            <a:r>
-              <a:rPr lang="fr-FR" sz="2800" dirty="0">
-                <a:solidFill>
-                  <a:schemeClr val="bg1"/>
-                </a:solidFill>
-                <a:latin typeface="Raleway ExtraLight" panose="020B0303030101060003" pitchFamily="34" charset="0"/>
-              </a:rPr>
-              <a:t>Document de synthèse</a:t>
-            </a:r>
-          </a:p>
-          <a:p>
-            <a:pPr marL="457200" indent="-457200">
-              <a:buFont typeface="Wingdings" panose="05000000000000000000" pitchFamily="2" charset="2"/>
-              <a:buChar char="ü"/>
-            </a:pPr>
-            <a:endParaRPr lang="fr-FR" sz="2800" dirty="0">
-              <a:solidFill>
-                <a:schemeClr val="bg1"/>
-              </a:solidFill>
-              <a:latin typeface="Raleway ExtraLight" panose="020B0303030101060003" pitchFamily="34" charset="0"/>
-            </a:endParaRPr>
-          </a:p>
-          <a:p>
-            <a:pPr marL="457200" indent="-457200">
-              <a:buFont typeface="Wingdings" panose="05000000000000000000" pitchFamily="2" charset="2"/>
-              <a:buChar char="ü"/>
-            </a:pPr>
-            <a:r>
-              <a:rPr lang="fr-FR" sz="2800" dirty="0">
-                <a:solidFill>
-                  <a:schemeClr val="bg1"/>
-                </a:solidFill>
-                <a:latin typeface="Raleway ExtraLight" panose="020B0303030101060003" pitchFamily="34" charset="0"/>
-              </a:rPr>
-              <a:t>Défi</a:t>
-            </a:r>
-          </a:p>
-          <a:p>
-            <a:pPr marL="457200" indent="-457200">
-              <a:buFont typeface="Wingdings" panose="05000000000000000000" pitchFamily="2" charset="2"/>
-              <a:buChar char="ü"/>
-            </a:pPr>
-            <a:endParaRPr lang="fr-FR" sz="2800" dirty="0">
-              <a:solidFill>
-                <a:schemeClr val="bg1"/>
-              </a:solidFill>
-              <a:latin typeface="Raleway ExtraLight" panose="020B0303030101060003" pitchFamily="34" charset="0"/>
-            </a:endParaRPr>
-          </a:p>
-          <a:p>
-            <a:pPr marL="457200" indent="-457200">
-              <a:buFont typeface="Wingdings" panose="05000000000000000000" pitchFamily="2" charset="2"/>
-              <a:buChar char="ü"/>
-            </a:pPr>
-            <a:r>
-              <a:rPr lang="fr-FR" sz="2800" dirty="0">
-                <a:solidFill>
-                  <a:schemeClr val="bg1"/>
-                </a:solidFill>
-                <a:latin typeface="Raleway ExtraLight" panose="020B0303030101060003" pitchFamily="34" charset="0"/>
-              </a:rPr>
-              <a:t>Groupe de discussion sur Teams</a:t>
-            </a:r>
           </a:p>
         </p:txBody>
       </p:sp>
@@ -4135,6 +5191,13 @@
   <p:clrMapOvr>
     <a:masterClrMapping/>
   </p:clrMapOvr>
+  <p:timing>
+    <p:tnLst>
+      <p:par>
+        <p:cTn id="1" dur="indefinite" restart="never" nodeType="tmRoot"/>
+      </p:par>
+    </p:tnLst>
+  </p:timing>
 </p:sld>
 </file>
 
